--- a/example.pptx
+++ b/example.pptx
@@ -5,22 +5,21 @@
     <p:sldMasterId id="2147483701" r:id="rId4"/>
   </p:sldMasterIdLst>
   <p:notesMasterIdLst>
-    <p:notesMasterId r:id="rId18"/>
+    <p:notesMasterId r:id="rId17"/>
   </p:notesMasterIdLst>
   <p:sldIdLst>
     <p:sldId id="257" r:id="rId5"/>
     <p:sldId id="277" r:id="rId6"/>
     <p:sldId id="279" r:id="rId7"/>
     <p:sldId id="287" r:id="rId8"/>
-    <p:sldId id="288" r:id="rId9"/>
-    <p:sldId id="286" r:id="rId10"/>
-    <p:sldId id="284" r:id="rId11"/>
-    <p:sldId id="278" r:id="rId12"/>
-    <p:sldId id="280" r:id="rId13"/>
-    <p:sldId id="281" r:id="rId14"/>
-    <p:sldId id="282" r:id="rId15"/>
-    <p:sldId id="285" r:id="rId16"/>
-    <p:sldId id="283" r:id="rId17"/>
+    <p:sldId id="286" r:id="rId9"/>
+    <p:sldId id="284" r:id="rId10"/>
+    <p:sldId id="278" r:id="rId11"/>
+    <p:sldId id="280" r:id="rId12"/>
+    <p:sldId id="281" r:id="rId13"/>
+    <p:sldId id="282" r:id="rId14"/>
+    <p:sldId id="285" r:id="rId15"/>
+    <p:sldId id="283" r:id="rId16"/>
   </p:sldIdLst>
   <p:sldSz cx="12192000" cy="6858000"/>
   <p:notesSz cx="6858000" cy="9144000"/>
@@ -581,134 +580,6 @@
   <p:cSld>
     <p:spTree>
       <p:nvGrpSpPr>
-        <p:cNvPr id="1" name=""/>
-        <p:cNvGrpSpPr/>
-        <p:nvPr/>
-      </p:nvGrpSpPr>
-      <p:grpSpPr>
-        <a:xfrm>
-          <a:off x="0" y="0"/>
-          <a:ext cx="0" cy="0"/>
-          <a:chOff x="0" y="0"/>
-          <a:chExt cx="0" cy="0"/>
-        </a:xfrm>
-      </p:grpSpPr>
-      <p:sp>
-        <p:nvSpPr>
-          <p:cNvPr id="2" name="מציין מיקום של תמונת שקופית 1"/>
-          <p:cNvSpPr>
-            <a:spLocks noGrp="1" noRot="1" noChangeAspect="1"/>
-          </p:cNvSpPr>
-          <p:nvPr>
-            <p:ph type="sldImg"/>
-          </p:nvPr>
-        </p:nvSpPr>
-        <p:spPr/>
-      </p:sp>
-      <p:sp>
-        <p:nvSpPr>
-          <p:cNvPr id="3" name="מציין מיקום של הערות 2"/>
-          <p:cNvSpPr>
-            <a:spLocks noGrp="1"/>
-          </p:cNvSpPr>
-          <p:nvPr>
-            <p:ph type="body" idx="1"/>
-          </p:nvPr>
-        </p:nvSpPr>
-        <p:spPr/>
-        <p:txBody>
-          <a:bodyPr/>
-          <a:lstStyle/>
-          <a:p>
-            <a:pPr>
-              <a:buNone/>
-            </a:pPr>
-            <a:r>
-              <a:rPr lang="en-US" dirty="0"/>
-              <a:t>Digital signatures are used in our system to make sure that:</a:t>
-            </a:r>
-          </a:p>
-          <a:p>
-            <a:pPr>
-              <a:buFont typeface="Arial" panose="020B0604020202020204" pitchFamily="34" charset="0"/>
-              <a:buChar char="•"/>
-            </a:pPr>
-            <a:r>
-              <a:rPr lang="en-US" dirty="0"/>
-              <a:t>The message truly came from the sender (Alice)</a:t>
-            </a:r>
-          </a:p>
-          <a:p>
-            <a:pPr>
-              <a:buFont typeface="Arial" panose="020B0604020202020204" pitchFamily="34" charset="0"/>
-              <a:buChar char="•"/>
-            </a:pPr>
-            <a:r>
-              <a:rPr lang="en-US" dirty="0"/>
-              <a:t>The encrypted message has not been tampered with</a:t>
-            </a:r>
-          </a:p>
-          <a:p>
-            <a:r>
-              <a:rPr lang="en-US" dirty="0"/>
-              <a:t>The signature is added after encryption, and verified before decryption, using public-key cryptography.</a:t>
-            </a:r>
-            <a:br>
-              <a:rPr lang="en-US" dirty="0"/>
-            </a:br>
-            <a:r>
-              <a:rPr lang="en-US"/>
-              <a:t>Details of how the signing works will be covered in the next slide: </a:t>
-            </a:r>
-            <a:r>
-              <a:rPr lang="en-US" b="1"/>
-              <a:t>“How ECDSA Works.”</a:t>
-            </a:r>
-            <a:endParaRPr lang="en-US"/>
-          </a:p>
-        </p:txBody>
-      </p:sp>
-      <p:sp>
-        <p:nvSpPr>
-          <p:cNvPr id="4" name="מציין מיקום של מספר שקופית 3"/>
-          <p:cNvSpPr>
-            <a:spLocks noGrp="1"/>
-          </p:cNvSpPr>
-          <p:nvPr>
-            <p:ph type="sldNum" sz="quarter" idx="5"/>
-          </p:nvPr>
-        </p:nvSpPr>
-        <p:spPr/>
-        <p:txBody>
-          <a:bodyPr/>
-          <a:lstStyle/>
-          <a:p>
-            <a:fld id="{0050DDF3-CFC3-40C0-B288-2F43B4469CD4}" type="slidenum">
-              <a:rPr lang="en-US" smtClean="0"/>
-              <a:t>11</a:t>
-            </a:fld>
-            <a:endParaRPr lang="en-US"/>
-          </a:p>
-        </p:txBody>
-      </p:sp>
-    </p:spTree>
-    <p:extLst>
-      <p:ext uri="{BB962C8B-B14F-4D97-AF65-F5344CB8AC3E}">
-        <p14:creationId xmlns:p14="http://schemas.microsoft.com/office/powerpoint/2010/main" val="2598733232"/>
-      </p:ext>
-    </p:extLst>
-  </p:cSld>
-  <p:clrMapOvr>
-    <a:masterClrMapping/>
-  </p:clrMapOvr>
-</p:notes>
-</file>
-
-<file path=ppt/notesSlides/notesSlide11.xml><?xml version="1.0" encoding="utf-8"?>
-<p:notes xmlns:a="http://schemas.openxmlformats.org/drawingml/2006/main" xmlns:r="http://schemas.openxmlformats.org/officeDocument/2006/relationships" xmlns:p="http://schemas.openxmlformats.org/presentationml/2006/main">
-  <p:cSld>
-    <p:spTree>
-      <p:nvGrpSpPr>
         <p:cNvPr id="1" name="">
           <a:extLst>
             <a:ext uri="{FF2B5EF4-FFF2-40B4-BE49-F238E27FC236}">
@@ -953,7 +824,7 @@
           <a:p>
             <a:fld id="{0050DDF3-CFC3-40C0-B288-2F43B4469CD4}" type="slidenum">
               <a:rPr lang="en-US" smtClean="0"/>
-              <a:t>12</a:t>
+              <a:t>11</a:t>
             </a:fld>
             <a:endParaRPr lang="en-US"/>
           </a:p>
@@ -1308,182 +1179,6 @@
         <p:cNvPr id="1" name="">
           <a:extLst>
             <a:ext uri="{FF2B5EF4-FFF2-40B4-BE49-F238E27FC236}">
-              <a16:creationId xmlns:a16="http://schemas.microsoft.com/office/drawing/2014/main" id="{4D674093-F7B9-3EB1-FACC-5D0ABA1C82F6}"/>
-            </a:ext>
-          </a:extLst>
-        </p:cNvPr>
-        <p:cNvGrpSpPr/>
-        <p:nvPr/>
-      </p:nvGrpSpPr>
-      <p:grpSpPr>
-        <a:xfrm>
-          <a:off x="0" y="0"/>
-          <a:ext cx="0" cy="0"/>
-          <a:chOff x="0" y="0"/>
-          <a:chExt cx="0" cy="0"/>
-        </a:xfrm>
-      </p:grpSpPr>
-      <p:sp>
-        <p:nvSpPr>
-          <p:cNvPr id="2" name="מציין מיקום של תמונת שקופית 1">
-            <a:extLst>
-              <a:ext uri="{FF2B5EF4-FFF2-40B4-BE49-F238E27FC236}">
-                <a16:creationId xmlns:a16="http://schemas.microsoft.com/office/drawing/2014/main" id="{B9229297-05AC-F4F1-D19F-7F818155D340}"/>
-              </a:ext>
-            </a:extLst>
-          </p:cNvPr>
-          <p:cNvSpPr>
-            <a:spLocks noGrp="1" noRot="1" noChangeAspect="1"/>
-          </p:cNvSpPr>
-          <p:nvPr>
-            <p:ph type="sldImg"/>
-          </p:nvPr>
-        </p:nvSpPr>
-        <p:spPr/>
-      </p:sp>
-      <p:sp>
-        <p:nvSpPr>
-          <p:cNvPr id="3" name="מציין מיקום של הערות 2">
-            <a:extLst>
-              <a:ext uri="{FF2B5EF4-FFF2-40B4-BE49-F238E27FC236}">
-                <a16:creationId xmlns:a16="http://schemas.microsoft.com/office/drawing/2014/main" id="{19E8D47A-DBA6-0769-CA9E-2FF293A218AC}"/>
-              </a:ext>
-            </a:extLst>
-          </p:cNvPr>
-          <p:cNvSpPr>
-            <a:spLocks noGrp="1"/>
-          </p:cNvSpPr>
-          <p:nvPr>
-            <p:ph type="body" idx="1"/>
-          </p:nvPr>
-        </p:nvSpPr>
-        <p:spPr/>
-        <p:txBody>
-          <a:bodyPr/>
-          <a:lstStyle/>
-          <a:p>
-            <a:pPr lvl="1">
-              <a:buFont typeface="Arial" panose="020B0604020202020204" pitchFamily="34" charset="0"/>
-              <a:buChar char="•"/>
-            </a:pPr>
-            <a:r>
-              <a:rPr lang="en-US" b="1" dirty="0"/>
-              <a:t> Blowfish</a:t>
-            </a:r>
-            <a:r>
-              <a:rPr lang="en-US" dirty="0"/>
-              <a:t> is a symmetric block cipher that encrypts data in </a:t>
-            </a:r>
-            <a:r>
-              <a:rPr lang="en-US" b="1" dirty="0"/>
-              <a:t>64-bit blocks</a:t>
-            </a:r>
-            <a:r>
-              <a:rPr lang="en-US" dirty="0"/>
-              <a:t> using a </a:t>
-            </a:r>
-            <a:r>
-              <a:rPr lang="en-US" b="1" dirty="0"/>
-              <a:t>variable-length key</a:t>
-            </a:r>
-            <a:r>
-              <a:rPr lang="en-US" dirty="0"/>
-              <a:t> (32 to 448 bits).</a:t>
-            </a:r>
-          </a:p>
-          <a:p>
-            <a:pPr lvl="1">
-              <a:buFont typeface="Arial" panose="020B0604020202020204" pitchFamily="34" charset="0"/>
-              <a:buChar char="•"/>
-            </a:pPr>
-            <a:r>
-              <a:rPr lang="en-US" dirty="0"/>
-              <a:t> Commonly used for fast, lightweight encryption.</a:t>
-            </a:r>
-          </a:p>
-          <a:p>
-            <a:pPr lvl="1">
-              <a:buFont typeface="Arial" panose="020B0604020202020204" pitchFamily="34" charset="0"/>
-              <a:buChar char="•"/>
-            </a:pPr>
-            <a:r>
-              <a:rPr lang="en-US" dirty="0"/>
-              <a:t>Operates in several modes (e.g., ECB, CBC). For email messages, CBC is more secure.</a:t>
-            </a:r>
-          </a:p>
-          <a:p>
-            <a:pPr lvl="1">
-              <a:buFont typeface="Arial" panose="020B0604020202020204" pitchFamily="34" charset="0"/>
-              <a:buChar char="•"/>
-            </a:pPr>
-            <a:r>
-              <a:rPr lang="en-US" dirty="0"/>
-              <a:t>Encryption and decryption use the </a:t>
-            </a:r>
-            <a:r>
-              <a:rPr lang="en-US" b="1" dirty="0"/>
-              <a:t>same key</a:t>
-            </a:r>
-            <a:r>
-              <a:rPr lang="en-US" dirty="0"/>
-              <a:t>, which must be shared securely.</a:t>
-            </a:r>
-          </a:p>
-          <a:p>
-            <a:endParaRPr lang="he-IL" dirty="0"/>
-          </a:p>
-        </p:txBody>
-      </p:sp>
-      <p:sp>
-        <p:nvSpPr>
-          <p:cNvPr id="4" name="מציין מיקום של מספר שקופית 3">
-            <a:extLst>
-              <a:ext uri="{FF2B5EF4-FFF2-40B4-BE49-F238E27FC236}">
-                <a16:creationId xmlns:a16="http://schemas.microsoft.com/office/drawing/2014/main" id="{0D80D8CC-81CB-4D5A-6647-89D57BA4EAAA}"/>
-              </a:ext>
-            </a:extLst>
-          </p:cNvPr>
-          <p:cNvSpPr>
-            <a:spLocks noGrp="1"/>
-          </p:cNvSpPr>
-          <p:nvPr>
-            <p:ph type="sldNum" sz="quarter" idx="5"/>
-          </p:nvPr>
-        </p:nvSpPr>
-        <p:spPr/>
-        <p:txBody>
-          <a:bodyPr/>
-          <a:lstStyle/>
-          <a:p>
-            <a:fld id="{0050DDF3-CFC3-40C0-B288-2F43B4469CD4}" type="slidenum">
-              <a:rPr lang="en-US" smtClean="0"/>
-              <a:t>5</a:t>
-            </a:fld>
-            <a:endParaRPr lang="en-US"/>
-          </a:p>
-        </p:txBody>
-      </p:sp>
-    </p:spTree>
-    <p:extLst>
-      <p:ext uri="{BB962C8B-B14F-4D97-AF65-F5344CB8AC3E}">
-        <p14:creationId xmlns:p14="http://schemas.microsoft.com/office/powerpoint/2010/main" val="1465417918"/>
-      </p:ext>
-    </p:extLst>
-  </p:cSld>
-  <p:clrMapOvr>
-    <a:masterClrMapping/>
-  </p:clrMapOvr>
-</p:notes>
-</file>
-
-<file path=ppt/notesSlides/notesSlide5.xml><?xml version="1.0" encoding="utf-8"?>
-<p:notes xmlns:a="http://schemas.openxmlformats.org/drawingml/2006/main" xmlns:r="http://schemas.openxmlformats.org/officeDocument/2006/relationships" xmlns:p="http://schemas.openxmlformats.org/presentationml/2006/main">
-  <p:cSld>
-    <p:spTree>
-      <p:nvGrpSpPr>
-        <p:cNvPr id="1" name="">
-          <a:extLst>
-            <a:ext uri="{FF2B5EF4-FFF2-40B4-BE49-F238E27FC236}">
               <a16:creationId xmlns:a16="http://schemas.microsoft.com/office/drawing/2014/main" id="{3F865701-82A1-1ECB-9E1A-93AB47EE487C}"/>
             </a:ext>
           </a:extLst>
@@ -1633,7 +1328,7 @@
           <a:p>
             <a:fld id="{0050DDF3-CFC3-40C0-B288-2F43B4469CD4}" type="slidenum">
               <a:rPr lang="en-US" smtClean="0"/>
-              <a:t>6</a:t>
+              <a:t>5</a:t>
             </a:fld>
             <a:endParaRPr lang="en-US"/>
           </a:p>
@@ -1643,6 +1338,156 @@
     <p:extLst>
       <p:ext uri="{BB962C8B-B14F-4D97-AF65-F5344CB8AC3E}">
         <p14:creationId xmlns:p14="http://schemas.microsoft.com/office/powerpoint/2010/main" val="275109053"/>
+      </p:ext>
+    </p:extLst>
+  </p:cSld>
+  <p:clrMapOvr>
+    <a:masterClrMapping/>
+  </p:clrMapOvr>
+</p:notes>
+</file>
+
+<file path=ppt/notesSlides/notesSlide5.xml><?xml version="1.0" encoding="utf-8"?>
+<p:notes xmlns:a="http://schemas.openxmlformats.org/drawingml/2006/main" xmlns:r="http://schemas.openxmlformats.org/officeDocument/2006/relationships" xmlns:p="http://schemas.openxmlformats.org/presentationml/2006/main">
+  <p:cSld>
+    <p:spTree>
+      <p:nvGrpSpPr>
+        <p:cNvPr id="1" name=""/>
+        <p:cNvGrpSpPr/>
+        <p:nvPr/>
+      </p:nvGrpSpPr>
+      <p:grpSpPr>
+        <a:xfrm>
+          <a:off x="0" y="0"/>
+          <a:ext cx="0" cy="0"/>
+          <a:chOff x="0" y="0"/>
+          <a:chExt cx="0" cy="0"/>
+        </a:xfrm>
+      </p:grpSpPr>
+      <p:sp>
+        <p:nvSpPr>
+          <p:cNvPr id="2" name="מציין מיקום של תמונת שקופית 1"/>
+          <p:cNvSpPr>
+            <a:spLocks noGrp="1" noRot="1" noChangeAspect="1"/>
+          </p:cNvSpPr>
+          <p:nvPr>
+            <p:ph type="sldImg"/>
+          </p:nvPr>
+        </p:nvSpPr>
+        <p:spPr/>
+      </p:sp>
+      <p:sp>
+        <p:nvSpPr>
+          <p:cNvPr id="3" name="מציין מיקום של הערות 2"/>
+          <p:cNvSpPr>
+            <a:spLocks noGrp="1"/>
+          </p:cNvSpPr>
+          <p:nvPr>
+            <p:ph type="body" idx="1"/>
+          </p:nvPr>
+        </p:nvSpPr>
+        <p:spPr/>
+        <p:txBody>
+          <a:bodyPr/>
+          <a:lstStyle/>
+          <a:p>
+            <a:pPr lvl="1">
+              <a:buFont typeface="Arial" panose="020B0604020202020204" pitchFamily="34" charset="0"/>
+              <a:buChar char="•"/>
+            </a:pPr>
+            <a:r>
+              <a:rPr lang="en-US" b="1" dirty="0" err="1"/>
+              <a:t>McEliece</a:t>
+            </a:r>
+            <a:r>
+              <a:rPr lang="en-US" dirty="0"/>
+              <a:t> is a </a:t>
+            </a:r>
+            <a:r>
+              <a:rPr lang="en-US" b="1" dirty="0"/>
+              <a:t>public-key cryptosystem</a:t>
+            </a:r>
+            <a:r>
+              <a:rPr lang="en-US" dirty="0"/>
+              <a:t> based on </a:t>
+            </a:r>
+            <a:r>
+              <a:rPr lang="en-US" b="1" dirty="0"/>
+              <a:t>error-correcting codes</a:t>
+            </a:r>
+            <a:r>
+              <a:rPr lang="en-US" dirty="0"/>
+              <a:t>, not number theory — it's considered quantum-resistant.</a:t>
+            </a:r>
+          </a:p>
+          <a:p>
+            <a:pPr lvl="1">
+              <a:buFont typeface="Arial" panose="020B0604020202020204" pitchFamily="34" charset="0"/>
+              <a:buChar char="•"/>
+            </a:pPr>
+            <a:r>
+              <a:rPr lang="en-US" dirty="0"/>
+              <a:t>Used to </a:t>
+            </a:r>
+            <a:r>
+              <a:rPr lang="en-US" b="1" dirty="0"/>
+              <a:t>encrypt the symmetric Blowfish key</a:t>
+            </a:r>
+            <a:r>
+              <a:rPr lang="en-US" dirty="0"/>
+              <a:t>, so it can be sent securely.</a:t>
+            </a:r>
+          </a:p>
+          <a:p>
+            <a:pPr lvl="1">
+              <a:buFont typeface="Arial" panose="020B0604020202020204" pitchFamily="34" charset="0"/>
+              <a:buChar char="•"/>
+            </a:pPr>
+            <a:r>
+              <a:rPr lang="en-US" dirty="0"/>
+              <a:t>Only the recipient (Bob) can decrypt it using his private </a:t>
+            </a:r>
+            <a:r>
+              <a:rPr lang="en-US" dirty="0" err="1"/>
+              <a:t>McEliece</a:t>
+            </a:r>
+            <a:r>
+              <a:rPr lang="en-US" dirty="0"/>
+              <a:t> key.</a:t>
+            </a:r>
+          </a:p>
+          <a:p>
+            <a:endParaRPr lang="he-IL" dirty="0"/>
+          </a:p>
+        </p:txBody>
+      </p:sp>
+      <p:sp>
+        <p:nvSpPr>
+          <p:cNvPr id="4" name="מציין מיקום של מספר שקופית 3"/>
+          <p:cNvSpPr>
+            <a:spLocks noGrp="1"/>
+          </p:cNvSpPr>
+          <p:nvPr>
+            <p:ph type="sldNum" sz="quarter" idx="5"/>
+          </p:nvPr>
+        </p:nvSpPr>
+        <p:spPr/>
+        <p:txBody>
+          <a:bodyPr/>
+          <a:lstStyle/>
+          <a:p>
+            <a:fld id="{0050DDF3-CFC3-40C0-B288-2F43B4469CD4}" type="slidenum">
+              <a:rPr lang="en-US" smtClean="0"/>
+              <a:t>6</a:t>
+            </a:fld>
+            <a:endParaRPr lang="en-US"/>
+          </a:p>
+        </p:txBody>
+      </p:sp>
+    </p:spTree>
+    <p:extLst>
+      <p:ext uri="{BB962C8B-B14F-4D97-AF65-F5344CB8AC3E}">
+        <p14:creationId xmlns:p14="http://schemas.microsoft.com/office/powerpoint/2010/main" val="1317345622"/>
       </p:ext>
     </p:extLst>
   </p:cSld>
@@ -1696,69 +1541,42 @@
           <a:bodyPr/>
           <a:lstStyle/>
           <a:p>
-            <a:pPr lvl="1">
-              <a:buFont typeface="Arial" panose="020B0604020202020204" pitchFamily="34" charset="0"/>
-              <a:buChar char="•"/>
-            </a:pPr>
-            <a:r>
-              <a:rPr lang="en-US" b="1" dirty="0" err="1"/>
-              <a:t>McEliece</a:t>
-            </a:r>
-            <a:r>
-              <a:rPr lang="en-US" dirty="0"/>
-              <a:t> is a </a:t>
+            <a:pPr>
+              <a:buNone/>
+            </a:pPr>
+            <a:r>
+              <a:rPr lang="en-US" dirty="0"/>
+              <a:t>The original message is a plaintext string representing the content of an email. In real-world applications, this could be a subject line, a short paragraph, or any piece of text. For demonstration purposes, we use a simple text message to show how it is processed through encryption, key delivery, and digital signing.</a:t>
+            </a:r>
+          </a:p>
+          <a:p>
+            <a:r>
+              <a:rPr lang="en-US" dirty="0"/>
+              <a:t>The message must be encrypted to ensure </a:t>
             </a:r>
             <a:r>
               <a:rPr lang="en-US" b="1" dirty="0"/>
-              <a:t>public-key cryptosystem</a:t>
-            </a:r>
-            <a:r>
-              <a:rPr lang="en-US" dirty="0"/>
-              <a:t> based on </a:t>
+              <a:t>confidentiality</a:t>
+            </a:r>
+            <a:r>
+              <a:rPr lang="en-US" dirty="0"/>
+              <a:t>, and should be </a:t>
             </a:r>
             <a:r>
               <a:rPr lang="en-US" b="1" dirty="0"/>
-              <a:t>error-correcting codes</a:t>
-            </a:r>
-            <a:r>
-              <a:rPr lang="en-US" dirty="0"/>
-              <a:t>, not number theory — it's considered quantum-resistant.</a:t>
-            </a:r>
-          </a:p>
-          <a:p>
-            <a:pPr lvl="1">
-              <a:buFont typeface="Arial" panose="020B0604020202020204" pitchFamily="34" charset="0"/>
-              <a:buChar char="•"/>
-            </a:pPr>
-            <a:r>
-              <a:rPr lang="en-US" dirty="0"/>
-              <a:t>Used to </a:t>
+              <a:t>digitally signed</a:t>
+            </a:r>
+            <a:r>
+              <a:rPr lang="en-US" dirty="0"/>
+              <a:t> to guarantee </a:t>
             </a:r>
             <a:r>
               <a:rPr lang="en-US" b="1" dirty="0"/>
-              <a:t>encrypt the symmetric Blowfish key</a:t>
-            </a:r>
-            <a:r>
-              <a:rPr lang="en-US" dirty="0"/>
-              <a:t>, so it can be sent securely.</a:t>
-            </a:r>
-          </a:p>
-          <a:p>
-            <a:pPr lvl="1">
-              <a:buFont typeface="Arial" panose="020B0604020202020204" pitchFamily="34" charset="0"/>
-              <a:buChar char="•"/>
-            </a:pPr>
-            <a:r>
-              <a:rPr lang="en-US" dirty="0"/>
-              <a:t>Only the recipient (Bob) can decrypt it using his private </a:t>
-            </a:r>
-            <a:r>
-              <a:rPr lang="en-US" dirty="0" err="1"/>
-              <a:t>McEliece</a:t>
-            </a:r>
-            <a:r>
-              <a:rPr lang="en-US" dirty="0"/>
-              <a:t> key.</a:t>
+              <a:t>authenticity and integrity</a:t>
+            </a:r>
+            <a:r>
+              <a:rPr lang="en-US" dirty="0"/>
+              <a:t>.</a:t>
             </a:r>
           </a:p>
           <a:p>
@@ -1792,7 +1610,7 @@
     </p:spTree>
     <p:extLst>
       <p:ext uri="{BB962C8B-B14F-4D97-AF65-F5344CB8AC3E}">
-        <p14:creationId xmlns:p14="http://schemas.microsoft.com/office/powerpoint/2010/main" val="1317345622"/>
+        <p14:creationId xmlns:p14="http://schemas.microsoft.com/office/powerpoint/2010/main" val="3116880650"/>
       </p:ext>
     </p:extLst>
   </p:cSld>
@@ -1851,37 +1669,54 @@
             </a:pPr>
             <a:r>
               <a:rPr lang="en-US" dirty="0"/>
-              <a:t>The original message is a plaintext string representing the content of an email. In real-world applications, this could be a subject line, a short paragraph, or any piece of text. For demonstration purposes, we use a simple text message to show how it is processed through encryption, key delivery, and digital signing.</a:t>
-            </a:r>
-          </a:p>
-          <a:p>
-            <a:r>
-              <a:rPr lang="en-US" dirty="0"/>
-              <a:t>The message must be encrypted to ensure </a:t>
+              <a:t>Once the plaintext message is encrypted using the Blowfish symmetric cipher, the result is a </a:t>
             </a:r>
             <a:r>
               <a:rPr lang="en-US" b="1" dirty="0"/>
-              <a:t>confidentiality</a:t>
-            </a:r>
-            <a:r>
-              <a:rPr lang="en-US" dirty="0"/>
-              <a:t>, and should be </a:t>
+              <a:t>non-readable block of ciphertext</a:t>
+            </a:r>
+            <a:r>
+              <a:rPr lang="en-US" dirty="0"/>
+              <a:t>. This ciphertext appears as a random string of characters and symbols — not meaningful to anyone without the key.</a:t>
+            </a:r>
+          </a:p>
+          <a:p>
+            <a:pPr>
+              <a:buNone/>
+            </a:pPr>
+            <a:r>
+              <a:rPr lang="en-US" dirty="0"/>
+              <a:t>Encryption is done using a </a:t>
             </a:r>
             <a:r>
               <a:rPr lang="en-US" b="1" dirty="0"/>
-              <a:t>digitally signed</a:t>
-            </a:r>
-            <a:r>
-              <a:rPr lang="en-US" dirty="0"/>
-              <a:t> to guarantee </a:t>
-            </a:r>
-            <a:r>
-              <a:rPr lang="en-US" b="1" dirty="0"/>
-              <a:t>authenticity and integrity</a:t>
-            </a:r>
-            <a:r>
-              <a:rPr lang="en-US" dirty="0"/>
-              <a:t>.</a:t>
+              <a:t>randomly generated Blowfish key</a:t>
+            </a:r>
+            <a:r>
+              <a:rPr lang="en-US" dirty="0"/>
+              <a:t>, and the same key must later be used to decrypt the message. Since symmetric keys cannot be shared openly, the Blowfish key is encrypted using the </a:t>
+            </a:r>
+            <a:r>
+              <a:rPr lang="en-US" dirty="0" err="1"/>
+              <a:t>McEliece</a:t>
+            </a:r>
+            <a:r>
+              <a:rPr lang="en-US" dirty="0"/>
+              <a:t> public-key system.</a:t>
+            </a:r>
+          </a:p>
+          <a:p>
+            <a:r>
+              <a:rPr lang="en-US" dirty="0"/>
+              <a:t>This step ensures that even if someone intercepts the message, they cannot understand it without the Blowfish key — and they can't access the key unless they can break </a:t>
+            </a:r>
+            <a:r>
+              <a:rPr lang="en-US" dirty="0" err="1"/>
+              <a:t>McEliece</a:t>
+            </a:r>
+            <a:r>
+              <a:rPr lang="en-US" dirty="0"/>
+              <a:t> encryption (which is considered quantum-safe).</a:t>
             </a:r>
           </a:p>
           <a:p>
@@ -1915,7 +1750,7 @@
     </p:spTree>
     <p:extLst>
       <p:ext uri="{BB962C8B-B14F-4D97-AF65-F5344CB8AC3E}">
-        <p14:creationId xmlns:p14="http://schemas.microsoft.com/office/powerpoint/2010/main" val="3116880650"/>
+        <p14:creationId xmlns:p14="http://schemas.microsoft.com/office/powerpoint/2010/main" val="550502804"/>
       </p:ext>
     </p:extLst>
   </p:cSld>
@@ -1974,54 +1809,100 @@
             </a:pPr>
             <a:r>
               <a:rPr lang="en-US" dirty="0"/>
-              <a:t>Once the plaintext message is encrypted using the Blowfish symmetric cipher, the result is a </a:t>
-            </a:r>
+              <a:t>To decipher the message, the receiver (Bob) performs three critical steps:</a:t>
+            </a:r>
+          </a:p>
+          <a:p>
+            <a:pPr>
+              <a:buFont typeface="+mj-lt"/>
+              <a:buAutoNum type="arabicPeriod"/>
+            </a:pPr>
             <a:r>
               <a:rPr lang="en-US" b="1" dirty="0"/>
-              <a:t>non-readable block of ciphertext</a:t>
-            </a:r>
-            <a:r>
-              <a:rPr lang="en-US" dirty="0"/>
-              <a:t>. This ciphertext appears as a random string of characters and symbols — not meaningful to anyone without the key.</a:t>
+              <a:t>Recover the Blowfish key</a:t>
+            </a:r>
+            <a:br>
+              <a:rPr lang="en-US" dirty="0"/>
+            </a:br>
+            <a:r>
+              <a:rPr lang="en-US" dirty="0"/>
+              <a:t>Using his </a:t>
+            </a:r>
+            <a:r>
+              <a:rPr lang="en-US" b="1" dirty="0"/>
+              <a:t>private </a:t>
+            </a:r>
+            <a:r>
+              <a:rPr lang="en-US" b="1" dirty="0" err="1"/>
+              <a:t>McEliece</a:t>
+            </a:r>
+            <a:r>
+              <a:rPr lang="en-US" b="1" dirty="0"/>
+              <a:t> key</a:t>
+            </a:r>
+            <a:r>
+              <a:rPr lang="en-US" dirty="0"/>
+              <a:t>, Bob decrypts the encrypted Blowfish key that was sent by Alice. Only Bob can perform this decryption, because only he possesses the correct private key.</a:t>
             </a:r>
           </a:p>
           <a:p>
             <a:pPr>
-              <a:buNone/>
-            </a:pPr>
-            <a:r>
-              <a:rPr lang="en-US" dirty="0"/>
-              <a:t>Encryption is done using a </a:t>
-            </a:r>
+              <a:buFont typeface="+mj-lt"/>
+              <a:buAutoNum type="arabicPeriod"/>
+            </a:pPr>
             <a:r>
               <a:rPr lang="en-US" b="1" dirty="0"/>
-              <a:t>randomly generated Blowfish key</a:t>
-            </a:r>
-            <a:r>
-              <a:rPr lang="en-US" dirty="0"/>
-              <a:t>, and the same key must later be used to decrypt the message. Since symmetric keys cannot be shared openly, the Blowfish key is encrypted using the </a:t>
-            </a:r>
-            <a:r>
-              <a:rPr lang="en-US" dirty="0" err="1"/>
-              <a:t>McEliece</a:t>
-            </a:r>
-            <a:r>
-              <a:rPr lang="en-US" dirty="0"/>
-              <a:t> public-key system.</a:t>
-            </a:r>
-          </a:p>
-          <a:p>
-            <a:r>
-              <a:rPr lang="en-US" dirty="0"/>
-              <a:t>This step ensures that even if someone intercepts the message, they cannot understand it without the Blowfish key — and they can't access the key unless they can break </a:t>
-            </a:r>
-            <a:r>
-              <a:rPr lang="en-US" dirty="0" err="1"/>
-              <a:t>McEliece</a:t>
-            </a:r>
-            <a:r>
-              <a:rPr lang="en-US" dirty="0"/>
-              <a:t> encryption (which is considered quantum-safe).</a:t>
+              <a:t>Decrypt the message</a:t>
+            </a:r>
+            <a:br>
+              <a:rPr lang="en-US" dirty="0"/>
+            </a:br>
+            <a:r>
+              <a:rPr lang="en-US" dirty="0"/>
+              <a:t>With the recovered Blowfish key, Bob decrypts the ciphertext. Blowfish is symmetric, so the same key used for encryption is now used for decryption.</a:t>
+            </a:r>
+          </a:p>
+          <a:p>
+            <a:pPr>
+              <a:buFont typeface="+mj-lt"/>
+              <a:buAutoNum type="arabicPeriod"/>
+            </a:pPr>
+            <a:r>
+              <a:rPr lang="en-US" b="1" dirty="0"/>
+              <a:t>Verify the signature</a:t>
+            </a:r>
+            <a:br>
+              <a:rPr lang="en-US" dirty="0"/>
+            </a:br>
+            <a:r>
+              <a:rPr lang="en-US" dirty="0"/>
+              <a:t>Before trusting the decrypted content, Bob verifies the digital signature using Alice’s public ECDSA key. This ensures that:</a:t>
+            </a:r>
+          </a:p>
+          <a:p>
+            <a:pPr marL="742950" lvl="1" indent="-285750">
+              <a:buFont typeface="+mj-lt"/>
+              <a:buAutoNum type="arabicPeriod"/>
+            </a:pPr>
+            <a:r>
+              <a:rPr lang="en-US" dirty="0"/>
+              <a:t>The message truly came from Alice (authenticity)</a:t>
+            </a:r>
+          </a:p>
+          <a:p>
+            <a:pPr marL="742950" lvl="1" indent="-285750">
+              <a:buFont typeface="+mj-lt"/>
+              <a:buAutoNum type="arabicPeriod"/>
+            </a:pPr>
+            <a:r>
+              <a:rPr lang="en-US" dirty="0"/>
+              <a:t>The message has not been altered (integrity)</a:t>
+            </a:r>
+          </a:p>
+          <a:p>
+            <a:r>
+              <a:rPr lang="en-US" dirty="0"/>
+              <a:t>Only if the signature is valid does Bob consider the message trustworthy.</a:t>
             </a:r>
           </a:p>
           <a:p>
@@ -2055,7 +1936,7 @@
     </p:spTree>
     <p:extLst>
       <p:ext uri="{BB962C8B-B14F-4D97-AF65-F5344CB8AC3E}">
-        <p14:creationId xmlns:p14="http://schemas.microsoft.com/office/powerpoint/2010/main" val="550502804"/>
+        <p14:creationId xmlns:p14="http://schemas.microsoft.com/office/powerpoint/2010/main" val="58447891"/>
       </p:ext>
     </p:extLst>
   </p:cSld>
@@ -2114,104 +1995,46 @@
             </a:pPr>
             <a:r>
               <a:rPr lang="en-US" dirty="0"/>
-              <a:t>To decipher the message, the receiver (Bob) performs three critical steps:</a:t>
+              <a:t>Digital signatures are used in our system to make sure that:</a:t>
             </a:r>
           </a:p>
           <a:p>
             <a:pPr>
-              <a:buFont typeface="+mj-lt"/>
-              <a:buAutoNum type="arabicPeriod"/>
-            </a:pPr>
-            <a:r>
-              <a:rPr lang="en-US" b="1" dirty="0"/>
-              <a:t>Recover the Blowfish key</a:t>
+              <a:buFont typeface="Arial" panose="020B0604020202020204" pitchFamily="34" charset="0"/>
+              <a:buChar char="•"/>
+            </a:pPr>
+            <a:r>
+              <a:rPr lang="en-US" dirty="0"/>
+              <a:t>The message truly came from the sender (Alice)</a:t>
+            </a:r>
+          </a:p>
+          <a:p>
+            <a:pPr>
+              <a:buFont typeface="Arial" panose="020B0604020202020204" pitchFamily="34" charset="0"/>
+              <a:buChar char="•"/>
+            </a:pPr>
+            <a:r>
+              <a:rPr lang="en-US" dirty="0"/>
+              <a:t>The encrypted message has not been tampered with</a:t>
+            </a:r>
+          </a:p>
+          <a:p>
+            <a:r>
+              <a:rPr lang="en-US" dirty="0"/>
+              <a:t>The signature is added after encryption, and verified before decryption, using public-key cryptography.</a:t>
             </a:r>
             <a:br>
               <a:rPr lang="en-US" dirty="0"/>
             </a:br>
             <a:r>
-              <a:rPr lang="en-US" dirty="0"/>
-              <a:t>Using his </a:t>
-            </a:r>
-            <a:r>
-              <a:rPr lang="en-US" b="1" dirty="0"/>
-              <a:t>private </a:t>
-            </a:r>
-            <a:r>
-              <a:rPr lang="en-US" b="1" dirty="0" err="1"/>
-              <a:t>McEliece</a:t>
-            </a:r>
-            <a:r>
-              <a:rPr lang="en-US" b="1" dirty="0"/>
-              <a:t> key</a:t>
-            </a:r>
-            <a:r>
-              <a:rPr lang="en-US" dirty="0"/>
-              <a:t>, Bob decrypts the encrypted Blowfish key that was sent by Alice. Only Bob can perform this decryption, because only he possesses the correct private key.</a:t>
-            </a:r>
-          </a:p>
-          <a:p>
-            <a:pPr>
-              <a:buFont typeface="+mj-lt"/>
-              <a:buAutoNum type="arabicPeriod"/>
-            </a:pPr>
-            <a:r>
-              <a:rPr lang="en-US" b="1" dirty="0"/>
-              <a:t>Decrypt the message</a:t>
-            </a:r>
-            <a:br>
-              <a:rPr lang="en-US" dirty="0"/>
-            </a:br>
-            <a:r>
-              <a:rPr lang="en-US" dirty="0"/>
-              <a:t>With the recovered Blowfish key, Bob decrypts the ciphertext. Blowfish is symmetric, so the same key used for encryption is now used for decryption.</a:t>
-            </a:r>
-          </a:p>
-          <a:p>
-            <a:pPr>
-              <a:buFont typeface="+mj-lt"/>
-              <a:buAutoNum type="arabicPeriod"/>
-            </a:pPr>
-            <a:r>
-              <a:rPr lang="en-US" b="1" dirty="0"/>
-              <a:t>Verify the signature</a:t>
-            </a:r>
-            <a:br>
-              <a:rPr lang="en-US" dirty="0"/>
-            </a:br>
-            <a:r>
-              <a:rPr lang="en-US" dirty="0"/>
-              <a:t>Before trusting the decrypted content, Bob verifies the digital signature using Alice’s public ECDSA key. This ensures that:</a:t>
-            </a:r>
-          </a:p>
-          <a:p>
-            <a:pPr marL="742950" lvl="1" indent="-285750">
-              <a:buFont typeface="+mj-lt"/>
-              <a:buAutoNum type="arabicPeriod"/>
-            </a:pPr>
-            <a:r>
-              <a:rPr lang="en-US" dirty="0"/>
-              <a:t>The message truly came from Alice (authenticity)</a:t>
-            </a:r>
-          </a:p>
-          <a:p>
-            <a:pPr marL="742950" lvl="1" indent="-285750">
-              <a:buFont typeface="+mj-lt"/>
-              <a:buAutoNum type="arabicPeriod"/>
-            </a:pPr>
-            <a:r>
-              <a:rPr lang="en-US" dirty="0"/>
-              <a:t>The message has not been altered (integrity)</a:t>
-            </a:r>
-          </a:p>
-          <a:p>
-            <a:r>
-              <a:rPr lang="en-US" dirty="0"/>
-              <a:t>Only if the signature is valid does Bob consider the message trustworthy.</a:t>
-            </a:r>
-          </a:p>
-          <a:p>
-            <a:endParaRPr lang="he-IL" dirty="0"/>
+              <a:rPr lang="en-US"/>
+              <a:t>Details of how the signing works will be covered in the next slide: </a:t>
+            </a:r>
+            <a:r>
+              <a:rPr lang="en-US" b="1"/>
+              <a:t>“How ECDSA Works.”</a:t>
+            </a:r>
+            <a:endParaRPr lang="en-US"/>
           </a:p>
         </p:txBody>
       </p:sp>
@@ -2241,7 +2064,7 @@
     </p:spTree>
     <p:extLst>
       <p:ext uri="{BB962C8B-B14F-4D97-AF65-F5344CB8AC3E}">
-        <p14:creationId xmlns:p14="http://schemas.microsoft.com/office/powerpoint/2010/main" val="58447891"/>
+        <p14:creationId xmlns:p14="http://schemas.microsoft.com/office/powerpoint/2010/main" val="2598733232"/>
       </p:ext>
     </p:extLst>
   </p:cSld>
@@ -6099,250 +5922,6 @@
           <p:cNvPr id="2" name="Title 1">
             <a:extLst>
               <a:ext uri="{FF2B5EF4-FFF2-40B4-BE49-F238E27FC236}">
-                <a16:creationId xmlns:a16="http://schemas.microsoft.com/office/drawing/2014/main" id="{7C313ABA-0CD1-864A-C658-376BE54E099A}"/>
-              </a:ext>
-            </a:extLst>
-          </p:cNvPr>
-          <p:cNvSpPr>
-            <a:spLocks noGrp="1"/>
-          </p:cNvSpPr>
-          <p:nvPr>
-            <p:ph type="title"/>
-          </p:nvPr>
-        </p:nvSpPr>
-        <p:spPr/>
-        <p:txBody>
-          <a:bodyPr/>
-          <a:lstStyle/>
-          <a:p>
-            <a:r>
-              <a:rPr lang="en-US" dirty="0"/>
-              <a:t>How to decipher with the key</a:t>
-            </a:r>
-          </a:p>
-        </p:txBody>
-      </p:sp>
-      <p:sp>
-        <p:nvSpPr>
-          <p:cNvPr id="3" name="Content Placeholder 2">
-            <a:extLst>
-              <a:ext uri="{FF2B5EF4-FFF2-40B4-BE49-F238E27FC236}">
-                <a16:creationId xmlns:a16="http://schemas.microsoft.com/office/drawing/2014/main" id="{4441DE8B-3BFF-25A7-C22F-17EA37DCE609}"/>
-              </a:ext>
-            </a:extLst>
-          </p:cNvPr>
-          <p:cNvSpPr>
-            <a:spLocks noGrp="1"/>
-          </p:cNvSpPr>
-          <p:nvPr>
-            <p:ph idx="1"/>
-          </p:nvPr>
-        </p:nvSpPr>
-        <p:spPr/>
-        <p:txBody>
-          <a:bodyPr>
-            <a:normAutofit fontScale="92500" lnSpcReduction="10000"/>
-          </a:bodyPr>
-          <a:lstStyle/>
-          <a:p>
-            <a:pPr>
-              <a:buFont typeface="Arial" panose="020B0604020202020204" pitchFamily="34" charset="0"/>
-              <a:buChar char="•"/>
-            </a:pPr>
-            <a:r>
-              <a:rPr lang="he-IL" dirty="0"/>
-              <a:t> </a:t>
-            </a:r>
-            <a:r>
-              <a:rPr lang="en-US" dirty="0"/>
-              <a:t>Receiver (Bob) receives:</a:t>
-            </a:r>
-          </a:p>
-          <a:p>
-            <a:pPr marL="742950" lvl="1" indent="-285750">
-              <a:buFont typeface="Arial" panose="020B0604020202020204" pitchFamily="34" charset="0"/>
-              <a:buChar char="•"/>
-            </a:pPr>
-            <a:r>
-              <a:rPr lang="en-US" dirty="0"/>
-              <a:t>Encrypted message (ciphertext)</a:t>
-            </a:r>
-          </a:p>
-          <a:p>
-            <a:pPr marL="742950" lvl="1" indent="-285750">
-              <a:buFont typeface="Arial" panose="020B0604020202020204" pitchFamily="34" charset="0"/>
-              <a:buChar char="•"/>
-            </a:pPr>
-            <a:r>
-              <a:rPr lang="en-US" dirty="0"/>
-              <a:t>Encrypted Blowfish key</a:t>
-            </a:r>
-          </a:p>
-          <a:p>
-            <a:pPr marL="742950" lvl="1" indent="-285750">
-              <a:buFont typeface="Arial" panose="020B0604020202020204" pitchFamily="34" charset="0"/>
-              <a:buChar char="•"/>
-            </a:pPr>
-            <a:r>
-              <a:rPr lang="en-US" dirty="0"/>
-              <a:t>Digital signature</a:t>
-            </a:r>
-          </a:p>
-          <a:p>
-            <a:pPr marL="742950" lvl="1" indent="-285750">
-              <a:buFont typeface="Arial" panose="020B0604020202020204" pitchFamily="34" charset="0"/>
-              <a:buChar char="•"/>
-            </a:pPr>
-            <a:r>
-              <a:rPr lang="en-US" dirty="0"/>
-              <a:t>Sender’s public ECDSA key</a:t>
-            </a:r>
-          </a:p>
-          <a:p>
-            <a:pPr>
-              <a:buFont typeface="Arial" panose="020B0604020202020204" pitchFamily="34" charset="0"/>
-              <a:buChar char="•"/>
-            </a:pPr>
-            <a:r>
-              <a:rPr lang="he-IL" dirty="0"/>
-              <a:t> </a:t>
-            </a:r>
-            <a:r>
-              <a:rPr lang="en-US" b="1" dirty="0"/>
-              <a:t>Step 1: Decrypt Blowfish key</a:t>
-            </a:r>
-            <a:endParaRPr lang="en-US" dirty="0"/>
-          </a:p>
-          <a:p>
-            <a:pPr marL="742950" lvl="1" indent="-285750">
-              <a:buFont typeface="Arial" panose="020B0604020202020204" pitchFamily="34" charset="0"/>
-              <a:buChar char="•"/>
-            </a:pPr>
-            <a:r>
-              <a:rPr lang="en-US" dirty="0"/>
-              <a:t>Use </a:t>
-            </a:r>
-            <a:r>
-              <a:rPr lang="en-US" dirty="0" err="1"/>
-              <a:t>McEliece</a:t>
-            </a:r>
-            <a:r>
-              <a:rPr lang="en-US" dirty="0"/>
-              <a:t> </a:t>
-            </a:r>
-            <a:r>
-              <a:rPr lang="en-US" b="1" dirty="0"/>
-              <a:t>private key</a:t>
-            </a:r>
-            <a:r>
-              <a:rPr lang="en-US" dirty="0"/>
-              <a:t> to recover the symmetric Blowfish key</a:t>
-            </a:r>
-          </a:p>
-          <a:p>
-            <a:pPr>
-              <a:buFont typeface="Arial" panose="020B0604020202020204" pitchFamily="34" charset="0"/>
-              <a:buChar char="•"/>
-            </a:pPr>
-            <a:r>
-              <a:rPr lang="he-IL" dirty="0"/>
-              <a:t> </a:t>
-            </a:r>
-            <a:r>
-              <a:rPr lang="en-US" b="1" dirty="0"/>
-              <a:t>Step 2: Decrypt the message</a:t>
-            </a:r>
-            <a:endParaRPr lang="en-US" dirty="0"/>
-          </a:p>
-          <a:p>
-            <a:pPr marL="742950" lvl="1" indent="-285750">
-              <a:buFont typeface="Arial" panose="020B0604020202020204" pitchFamily="34" charset="0"/>
-              <a:buChar char="•"/>
-            </a:pPr>
-            <a:r>
-              <a:rPr lang="en-US" dirty="0"/>
-              <a:t>Use the recovered Blowfish key to decrypt the message</a:t>
-            </a:r>
-          </a:p>
-          <a:p>
-            <a:pPr>
-              <a:buFont typeface="Arial" panose="020B0604020202020204" pitchFamily="34" charset="0"/>
-              <a:buChar char="•"/>
-            </a:pPr>
-            <a:r>
-              <a:rPr lang="he-IL" dirty="0"/>
-              <a:t> </a:t>
-            </a:r>
-            <a:r>
-              <a:rPr lang="en-US" b="1" dirty="0"/>
-              <a:t>Step 3: Verify the signature</a:t>
-            </a:r>
-            <a:endParaRPr lang="en-US" dirty="0"/>
-          </a:p>
-          <a:p>
-            <a:pPr marL="742950" lvl="1" indent="-285750">
-              <a:buFont typeface="Arial" panose="020B0604020202020204" pitchFamily="34" charset="0"/>
-              <a:buChar char="•"/>
-            </a:pPr>
-            <a:r>
-              <a:rPr lang="en-US" dirty="0"/>
-              <a:t>Use sender’s public ECDSA key to confirm message authenticity</a:t>
-            </a:r>
-          </a:p>
-          <a:p>
-            <a:pPr>
-              <a:buFont typeface="Arial" panose="020B0604020202020204" pitchFamily="34" charset="0"/>
-              <a:buChar char="•"/>
-            </a:pPr>
-            <a:r>
-              <a:rPr lang="he-IL" dirty="0"/>
-              <a:t> </a:t>
-            </a:r>
-            <a:r>
-              <a:rPr lang="en-US" dirty="0"/>
-              <a:t>Message is only accepted if signature is valid</a:t>
-            </a:r>
-          </a:p>
-          <a:p>
-            <a:endParaRPr lang="en-US" dirty="0"/>
-          </a:p>
-        </p:txBody>
-      </p:sp>
-    </p:spTree>
-    <p:extLst>
-      <p:ext uri="{BB962C8B-B14F-4D97-AF65-F5344CB8AC3E}">
-        <p14:creationId xmlns:p14="http://schemas.microsoft.com/office/powerpoint/2010/main" val="351153011"/>
-      </p:ext>
-    </p:extLst>
-  </p:cSld>
-  <p:clrMapOvr>
-    <a:masterClrMapping/>
-  </p:clrMapOvr>
-</p:sld>
-</file>
-
-<file path=ppt/slides/slide11.xml><?xml version="1.0" encoding="utf-8"?>
-<p:sld xmlns:a="http://schemas.openxmlformats.org/drawingml/2006/main" xmlns:r="http://schemas.openxmlformats.org/officeDocument/2006/relationships" xmlns:p="http://schemas.openxmlformats.org/presentationml/2006/main">
-  <p:cSld>
-    <p:spTree>
-      <p:nvGrpSpPr>
-        <p:cNvPr id="1" name=""/>
-        <p:cNvGrpSpPr/>
-        <p:nvPr/>
-      </p:nvGrpSpPr>
-      <p:grpSpPr>
-        <a:xfrm>
-          <a:off x="0" y="0"/>
-          <a:ext cx="0" cy="0"/>
-          <a:chOff x="0" y="0"/>
-          <a:chExt cx="0" cy="0"/>
-        </a:xfrm>
-      </p:grpSpPr>
-      <p:sp>
-        <p:nvSpPr>
-          <p:cNvPr id="2" name="Title 1">
-            <a:extLst>
-              <a:ext uri="{FF2B5EF4-FFF2-40B4-BE49-F238E27FC236}">
                 <a16:creationId xmlns:a16="http://schemas.microsoft.com/office/drawing/2014/main" id="{0A8D517A-27A8-A120-4438-2C1E3CD6C6B4}"/>
               </a:ext>
             </a:extLst>
@@ -6468,7 +6047,7 @@
 </p:sld>
 </file>
 
-<file path=ppt/slides/slide12.xml><?xml version="1.0" encoding="utf-8"?>
+<file path=ppt/slides/slide11.xml><?xml version="1.0" encoding="utf-8"?>
 <p:sld xmlns:a="http://schemas.openxmlformats.org/drawingml/2006/main" xmlns:r="http://schemas.openxmlformats.org/officeDocument/2006/relationships" xmlns:p="http://schemas.openxmlformats.org/presentationml/2006/main">
   <p:cSld>
     <p:spTree>
@@ -6663,7 +6242,7 @@
 </p:sld>
 </file>
 
-<file path=ppt/slides/slide13.xml><?xml version="1.0" encoding="utf-8"?>
+<file path=ppt/slides/slide12.xml><?xml version="1.0" encoding="utf-8"?>
 <p:sld xmlns:a="http://schemas.openxmlformats.org/drawingml/2006/main" xmlns:r="http://schemas.openxmlformats.org/officeDocument/2006/relationships" xmlns:p="http://schemas.openxmlformats.org/presentationml/2006/main">
   <p:cSld>
     <p:spTree>
@@ -7799,7 +7378,7 @@
           <a:lstStyle/>
           <a:p>
             <a:r>
-              <a:rPr lang="en-US" dirty="0"/>
+              <a:rPr lang="en-US" b="1" dirty="0"/>
               <a:t>Sender (Alice) Prepares and Sends the Email</a:t>
             </a:r>
           </a:p>
@@ -8018,299 +7597,6 @@
 </file>
 
 <file path=ppt/slides/slide5.xml><?xml version="1.0" encoding="utf-8"?>
-<p:sld xmlns:a="http://schemas.openxmlformats.org/drawingml/2006/main" xmlns:r="http://schemas.openxmlformats.org/officeDocument/2006/relationships" xmlns:p="http://schemas.openxmlformats.org/presentationml/2006/main">
-  <p:cSld>
-    <p:spTree>
-      <p:nvGrpSpPr>
-        <p:cNvPr id="1" name="">
-          <a:extLst>
-            <a:ext uri="{FF2B5EF4-FFF2-40B4-BE49-F238E27FC236}">
-              <a16:creationId xmlns:a16="http://schemas.microsoft.com/office/drawing/2014/main" id="{07DAFD65-A5CF-237C-1FB7-7F36FA7CECCB}"/>
-            </a:ext>
-          </a:extLst>
-        </p:cNvPr>
-        <p:cNvGrpSpPr/>
-        <p:nvPr/>
-      </p:nvGrpSpPr>
-      <p:grpSpPr>
-        <a:xfrm>
-          <a:off x="0" y="0"/>
-          <a:ext cx="0" cy="0"/>
-          <a:chOff x="0" y="0"/>
-          <a:chExt cx="0" cy="0"/>
-        </a:xfrm>
-      </p:grpSpPr>
-      <p:sp>
-        <p:nvSpPr>
-          <p:cNvPr id="2" name="Title 1">
-            <a:extLst>
-              <a:ext uri="{FF2B5EF4-FFF2-40B4-BE49-F238E27FC236}">
-                <a16:creationId xmlns:a16="http://schemas.microsoft.com/office/drawing/2014/main" id="{47247DA8-AAB9-3243-A3BD-303AD371CD70}"/>
-              </a:ext>
-            </a:extLst>
-          </p:cNvPr>
-          <p:cNvSpPr>
-            <a:spLocks noGrp="1"/>
-          </p:cNvSpPr>
-          <p:nvPr>
-            <p:ph type="title"/>
-          </p:nvPr>
-        </p:nvSpPr>
-        <p:spPr/>
-        <p:txBody>
-          <a:bodyPr/>
-          <a:lstStyle/>
-          <a:p>
-            <a:r>
-              <a:rPr lang="en-US" dirty="0"/>
-              <a:t>Secure Email Exchange –Step-by-Step</a:t>
-            </a:r>
-          </a:p>
-        </p:txBody>
-      </p:sp>
-      <p:sp>
-        <p:nvSpPr>
-          <p:cNvPr id="3" name="Content Placeholder 2">
-            <a:extLst>
-              <a:ext uri="{FF2B5EF4-FFF2-40B4-BE49-F238E27FC236}">
-                <a16:creationId xmlns:a16="http://schemas.microsoft.com/office/drawing/2014/main" id="{25591487-8ECE-49BD-3A50-A038C1923EE5}"/>
-              </a:ext>
-            </a:extLst>
-          </p:cNvPr>
-          <p:cNvSpPr>
-            <a:spLocks noGrp="1"/>
-          </p:cNvSpPr>
-          <p:nvPr>
-            <p:ph idx="1"/>
-          </p:nvPr>
-        </p:nvSpPr>
-        <p:spPr/>
-        <p:txBody>
-          <a:bodyPr>
-            <a:normAutofit fontScale="92500" lnSpcReduction="20000"/>
-          </a:bodyPr>
-          <a:lstStyle/>
-          <a:p>
-            <a:r>
-              <a:rPr lang="en-US" dirty="0"/>
-              <a:t>Sender (Alice) Prepares and Sends the Email</a:t>
-            </a:r>
-          </a:p>
-          <a:p>
-            <a:pPr>
-              <a:buFont typeface="Arial" panose="020B0604020202020204" pitchFamily="34" charset="0"/>
-              <a:buChar char="•"/>
-            </a:pPr>
-            <a:r>
-              <a:rPr lang="en-US" dirty="0"/>
-              <a:t>Generate symmetric key (K):</a:t>
-            </a:r>
-          </a:p>
-          <a:p>
-            <a:pPr lvl="1">
-              <a:buFont typeface="Arial" panose="020B0604020202020204" pitchFamily="34" charset="0"/>
-              <a:buChar char="•"/>
-            </a:pPr>
-            <a:r>
-              <a:rPr lang="en-US" dirty="0"/>
-              <a:t>Alice generates a random symmetric key for Blowfish.</a:t>
-            </a:r>
-          </a:p>
-          <a:p>
-            <a:pPr>
-              <a:buFont typeface="Arial" panose="020B0604020202020204" pitchFamily="34" charset="0"/>
-              <a:buChar char="•"/>
-            </a:pPr>
-            <a:r>
-              <a:rPr lang="en-US" dirty="0"/>
-              <a:t>Encrypt the message with Blowfish:</a:t>
-            </a:r>
-          </a:p>
-          <a:p>
-            <a:pPr lvl="1">
-              <a:buFont typeface="Arial" panose="020B0604020202020204" pitchFamily="34" charset="0"/>
-              <a:buChar char="•"/>
-            </a:pPr>
-            <a:r>
-              <a:rPr lang="en-US" dirty="0" err="1"/>
-              <a:t>EncryptedMessage</a:t>
-            </a:r>
-            <a:r>
-              <a:rPr lang="en-US" dirty="0"/>
-              <a:t> = </a:t>
-            </a:r>
-            <a:r>
-              <a:rPr lang="en-US" dirty="0" err="1"/>
-              <a:t>Blowfish_Encrypt</a:t>
-            </a:r>
-            <a:r>
-              <a:rPr lang="en-US" dirty="0"/>
-              <a:t>(plaintext, K)</a:t>
-            </a:r>
-          </a:p>
-          <a:p>
-            <a:pPr>
-              <a:buFont typeface="Arial" panose="020B0604020202020204" pitchFamily="34" charset="0"/>
-              <a:buChar char="•"/>
-            </a:pPr>
-            <a:r>
-              <a:rPr lang="en-US" dirty="0"/>
-              <a:t>Encrypt the symmetric key with </a:t>
-            </a:r>
-            <a:r>
-              <a:rPr lang="en-US" dirty="0" err="1"/>
-              <a:t>McEliece</a:t>
-            </a:r>
-            <a:r>
-              <a:rPr lang="en-US" dirty="0"/>
-              <a:t>:</a:t>
-            </a:r>
-          </a:p>
-          <a:p>
-            <a:pPr lvl="1">
-              <a:buFont typeface="Arial" panose="020B0604020202020204" pitchFamily="34" charset="0"/>
-              <a:buChar char="•"/>
-            </a:pPr>
-            <a:r>
-              <a:rPr lang="en-US" dirty="0" err="1"/>
-              <a:t>EncryptedKey</a:t>
-            </a:r>
-            <a:r>
-              <a:rPr lang="en-US" dirty="0"/>
-              <a:t> = </a:t>
-            </a:r>
-            <a:r>
-              <a:rPr lang="en-US" dirty="0" err="1"/>
-              <a:t>McEliece_Encrypt</a:t>
-            </a:r>
-            <a:r>
-              <a:rPr lang="en-US" dirty="0"/>
-              <a:t>(K, </a:t>
-            </a:r>
-            <a:r>
-              <a:rPr lang="en-US" dirty="0" err="1"/>
-              <a:t>Bob_McEliece_PublicKey</a:t>
-            </a:r>
-            <a:r>
-              <a:rPr lang="en-US" dirty="0"/>
-              <a:t>)</a:t>
-            </a:r>
-          </a:p>
-          <a:p>
-            <a:pPr>
-              <a:buFont typeface="Arial" panose="020B0604020202020204" pitchFamily="34" charset="0"/>
-              <a:buChar char="•"/>
-            </a:pPr>
-            <a:r>
-              <a:rPr lang="en-US" dirty="0"/>
-              <a:t>Create a digital signature with ECDSA</a:t>
-            </a:r>
-          </a:p>
-          <a:p>
-            <a:pPr lvl="1">
-              <a:buFont typeface="Arial" panose="020B0604020202020204" pitchFamily="34" charset="0"/>
-              <a:buChar char="•"/>
-            </a:pPr>
-            <a:r>
-              <a:rPr lang="en-US" dirty="0"/>
-              <a:t>:Alice signs </a:t>
-            </a:r>
-            <a:r>
-              <a:rPr lang="en-US" dirty="0" err="1"/>
-              <a:t>EncryptedMessage</a:t>
-            </a:r>
-            <a:r>
-              <a:rPr lang="en-US" dirty="0"/>
-              <a:t> || </a:t>
-            </a:r>
-            <a:r>
-              <a:rPr lang="en-US" dirty="0" err="1"/>
-              <a:t>EncryptedKey</a:t>
-            </a:r>
-            <a:r>
-              <a:rPr lang="en-US" dirty="0"/>
-              <a:t> using her ECDSA private key.</a:t>
-            </a:r>
-          </a:p>
-          <a:p>
-            <a:pPr lvl="1">
-              <a:buFont typeface="Arial" panose="020B0604020202020204" pitchFamily="34" charset="0"/>
-              <a:buChar char="•"/>
-            </a:pPr>
-            <a:r>
-              <a:rPr lang="en-US" dirty="0"/>
-              <a:t>Signature = </a:t>
-            </a:r>
-            <a:r>
-              <a:rPr lang="en-US" dirty="0" err="1"/>
-              <a:t>ECDSA_Sign</a:t>
-            </a:r>
-            <a:r>
-              <a:rPr lang="en-US" dirty="0"/>
-              <a:t>(</a:t>
-            </a:r>
-            <a:r>
-              <a:rPr lang="en-US" dirty="0" err="1"/>
-              <a:t>EncryptedMessage</a:t>
-            </a:r>
-            <a:r>
-              <a:rPr lang="en-US" dirty="0"/>
-              <a:t> || </a:t>
-            </a:r>
-            <a:r>
-              <a:rPr lang="en-US" dirty="0" err="1"/>
-              <a:t>EncryptedKey</a:t>
-            </a:r>
-            <a:r>
-              <a:rPr lang="en-US" dirty="0"/>
-              <a:t>, </a:t>
-            </a:r>
-            <a:r>
-              <a:rPr lang="en-US" dirty="0" err="1"/>
-              <a:t>Alice_ECDSA_PrivateKey</a:t>
-            </a:r>
-            <a:r>
-              <a:rPr lang="en-US" dirty="0"/>
-              <a:t>)</a:t>
-            </a:r>
-          </a:p>
-          <a:p>
-            <a:pPr>
-              <a:buFont typeface="Arial" panose="020B0604020202020204" pitchFamily="34" charset="0"/>
-              <a:buChar char="•"/>
-            </a:pPr>
-            <a:r>
-              <a:rPr lang="en-US" dirty="0"/>
-              <a:t>Send email package:</a:t>
-            </a:r>
-          </a:p>
-          <a:p>
-            <a:pPr lvl="1">
-              <a:buFont typeface="Arial" panose="020B0604020202020204" pitchFamily="34" charset="0"/>
-              <a:buChar char="•"/>
-            </a:pPr>
-            <a:r>
-              <a:rPr lang="en-US" dirty="0"/>
-              <a:t>Alice sends to Bob:</a:t>
-            </a:r>
-            <a:endParaRPr lang="he-IL" dirty="0"/>
-          </a:p>
-        </p:txBody>
-      </p:sp>
-    </p:spTree>
-    <p:extLst>
-      <p:ext uri="{BB962C8B-B14F-4D97-AF65-F5344CB8AC3E}">
-        <p14:creationId xmlns:p14="http://schemas.microsoft.com/office/powerpoint/2010/main" val="427036074"/>
-      </p:ext>
-    </p:extLst>
-  </p:cSld>
-  <p:clrMapOvr>
-    <a:masterClrMapping/>
-  </p:clrMapOvr>
-</p:sld>
-</file>
-
-<file path=ppt/slides/slide6.xml><?xml version="1.0" encoding="utf-8"?>
 <p:sld xmlns:a="http://schemas.openxmlformats.org/drawingml/2006/main" xmlns:r="http://schemas.openxmlformats.org/officeDocument/2006/relationships" xmlns:p="http://schemas.openxmlformats.org/presentationml/2006/main">
   <p:cSld>
     <p:spTree>
@@ -8356,7 +7642,7 @@
           <a:p>
             <a:r>
               <a:rPr lang="en-US" dirty="0"/>
-              <a:t>How the cipher works</a:t>
+              <a:t>Secure Email Exchange –Step-by-Step</a:t>
             </a:r>
           </a:p>
         </p:txBody>
@@ -8385,7 +7671,7 @@
           <a:lstStyle/>
           <a:p>
             <a:r>
-              <a:rPr lang="en-US" dirty="0"/>
+              <a:rPr lang="en-US" b="1" dirty="0"/>
               <a:t>Receiver (Bob) Processes the Email</a:t>
             </a:r>
           </a:p>
@@ -8518,7 +7804,7 @@
 </p:sld>
 </file>
 
-<file path=ppt/slides/slide7.xml><?xml version="1.0" encoding="utf-8"?>
+<file path=ppt/slides/slide6.xml><?xml version="1.0" encoding="utf-8"?>
 <p:sld xmlns:a="http://schemas.openxmlformats.org/drawingml/2006/main" xmlns:r="http://schemas.openxmlformats.org/officeDocument/2006/relationships" xmlns:p="http://schemas.openxmlformats.org/presentationml/2006/main">
   <p:cSld>
     <p:spTree>
@@ -8672,6 +7958,161 @@
     <p:extLst>
       <p:ext uri="{BB962C8B-B14F-4D97-AF65-F5344CB8AC3E}">
         <p14:creationId xmlns:p14="http://schemas.microsoft.com/office/powerpoint/2010/main" val="3395196265"/>
+      </p:ext>
+    </p:extLst>
+  </p:cSld>
+  <p:clrMapOvr>
+    <a:masterClrMapping/>
+  </p:clrMapOvr>
+</p:sld>
+</file>
+
+<file path=ppt/slides/slide7.xml><?xml version="1.0" encoding="utf-8"?>
+<p:sld xmlns:a="http://schemas.openxmlformats.org/drawingml/2006/main" xmlns:r="http://schemas.openxmlformats.org/officeDocument/2006/relationships" xmlns:p="http://schemas.openxmlformats.org/presentationml/2006/main">
+  <p:cSld>
+    <p:spTree>
+      <p:nvGrpSpPr>
+        <p:cNvPr id="1" name=""/>
+        <p:cNvGrpSpPr/>
+        <p:nvPr/>
+      </p:nvGrpSpPr>
+      <p:grpSpPr>
+        <a:xfrm>
+          <a:off x="0" y="0"/>
+          <a:ext cx="0" cy="0"/>
+          <a:chOff x="0" y="0"/>
+          <a:chExt cx="0" cy="0"/>
+        </a:xfrm>
+      </p:grpSpPr>
+      <p:sp>
+        <p:nvSpPr>
+          <p:cNvPr id="2" name="Title 1">
+            <a:extLst>
+              <a:ext uri="{FF2B5EF4-FFF2-40B4-BE49-F238E27FC236}">
+                <a16:creationId xmlns:a16="http://schemas.microsoft.com/office/drawing/2014/main" id="{EBBF5FAD-5B93-F5FE-6EC3-B373A4031E21}"/>
+              </a:ext>
+            </a:extLst>
+          </p:cNvPr>
+          <p:cNvSpPr>
+            <a:spLocks noGrp="1"/>
+          </p:cNvSpPr>
+          <p:nvPr>
+            <p:ph type="title"/>
+          </p:nvPr>
+        </p:nvSpPr>
+        <p:spPr/>
+        <p:txBody>
+          <a:bodyPr/>
+          <a:lstStyle/>
+          <a:p>
+            <a:r>
+              <a:rPr lang="en-US" dirty="0"/>
+              <a:t>Original Text</a:t>
+            </a:r>
+          </a:p>
+        </p:txBody>
+      </p:sp>
+      <p:sp>
+        <p:nvSpPr>
+          <p:cNvPr id="3" name="Content Placeholder 2">
+            <a:extLst>
+              <a:ext uri="{FF2B5EF4-FFF2-40B4-BE49-F238E27FC236}">
+                <a16:creationId xmlns:a16="http://schemas.microsoft.com/office/drawing/2014/main" id="{B3718846-F08B-00DF-068D-154D8B377D9A}"/>
+              </a:ext>
+            </a:extLst>
+          </p:cNvPr>
+          <p:cNvSpPr>
+            <a:spLocks noGrp="1"/>
+          </p:cNvSpPr>
+          <p:nvPr>
+            <p:ph idx="1"/>
+          </p:nvPr>
+        </p:nvSpPr>
+        <p:spPr/>
+        <p:txBody>
+          <a:bodyPr/>
+          <a:lstStyle/>
+          <a:p>
+            <a:pPr>
+              <a:buFont typeface="Arial" panose="020B0604020202020204" pitchFamily="34" charset="0"/>
+              <a:buChar char="•"/>
+            </a:pPr>
+            <a:r>
+              <a:rPr lang="en-US" dirty="0"/>
+              <a:t>Example plaintext message:</a:t>
+            </a:r>
+            <a:br>
+              <a:rPr lang="en-US" dirty="0"/>
+            </a:br>
+            <a:r>
+              <a:rPr lang="en-US" dirty="0"/>
+              <a:t>	“Project X status: Launch delayed until Q3.”</a:t>
+            </a:r>
+          </a:p>
+          <a:p>
+            <a:pPr>
+              <a:buFont typeface="Arial" panose="020B0604020202020204" pitchFamily="34" charset="0"/>
+              <a:buChar char="•"/>
+            </a:pPr>
+            <a:r>
+              <a:rPr lang="en-US" dirty="0"/>
+              <a:t>Message is unprotected in its current form</a:t>
+            </a:r>
+            <a:br>
+              <a:rPr lang="en-US" dirty="0"/>
+            </a:br>
+            <a:r>
+              <a:rPr lang="en-US" dirty="0"/>
+              <a:t>Needs:</a:t>
+            </a:r>
+          </a:p>
+          <a:p>
+            <a:pPr lvl="1">
+              <a:buFont typeface="Arial" panose="020B0604020202020204" pitchFamily="34" charset="0"/>
+              <a:buChar char="•"/>
+            </a:pPr>
+            <a:r>
+              <a:rPr lang="en-US" dirty="0"/>
+              <a:t> Encryption for confidentiality</a:t>
+            </a:r>
+          </a:p>
+          <a:p>
+            <a:pPr lvl="1">
+              <a:buFont typeface="Arial" panose="020B0604020202020204" pitchFamily="34" charset="0"/>
+              <a:buChar char="•"/>
+            </a:pPr>
+            <a:r>
+              <a:rPr lang="en-US" dirty="0"/>
+              <a:t> Digital signature for authenticity</a:t>
+            </a:r>
+          </a:p>
+          <a:p>
+            <a:pPr>
+              <a:buFont typeface="Arial" panose="020B0604020202020204" pitchFamily="34" charset="0"/>
+              <a:buChar char="•"/>
+            </a:pPr>
+            <a:r>
+              <a:rPr lang="en-US" dirty="0"/>
+              <a:t>Processed next using Blowfish, </a:t>
+            </a:r>
+            <a:r>
+              <a:rPr lang="en-US" dirty="0" err="1"/>
+              <a:t>McEliece</a:t>
+            </a:r>
+            <a:r>
+              <a:rPr lang="en-US" dirty="0"/>
+              <a:t>, and ECDSA</a:t>
+            </a:r>
+          </a:p>
+          <a:p>
+            <a:endParaRPr lang="en-US" dirty="0"/>
+          </a:p>
+        </p:txBody>
+      </p:sp>
+    </p:spTree>
+    <p:extLst>
+      <p:ext uri="{BB962C8B-B14F-4D97-AF65-F5344CB8AC3E}">
+        <p14:creationId xmlns:p14="http://schemas.microsoft.com/office/powerpoint/2010/main" val="324050415"/>
       </p:ext>
     </p:extLst>
   </p:cSld>
@@ -8703,7 +8144,7 @@
           <p:cNvPr id="2" name="Title 1">
             <a:extLst>
               <a:ext uri="{FF2B5EF4-FFF2-40B4-BE49-F238E27FC236}">
-                <a16:creationId xmlns:a16="http://schemas.microsoft.com/office/drawing/2014/main" id="{EBBF5FAD-5B93-F5FE-6EC3-B373A4031E21}"/>
+                <a16:creationId xmlns:a16="http://schemas.microsoft.com/office/drawing/2014/main" id="{064E537F-7CAC-9F01-3D6A-9B05421839AF}"/>
               </a:ext>
             </a:extLst>
           </p:cNvPr>
@@ -8721,7 +8162,7 @@
           <a:p>
             <a:r>
               <a:rPr lang="en-US" dirty="0"/>
-              <a:t>Original Text</a:t>
+              <a:t>Encrypted Text</a:t>
             </a:r>
           </a:p>
         </p:txBody>
@@ -8731,7 +8172,7 @@
           <p:cNvPr id="3" name="Content Placeholder 2">
             <a:extLst>
               <a:ext uri="{FF2B5EF4-FFF2-40B4-BE49-F238E27FC236}">
-                <a16:creationId xmlns:a16="http://schemas.microsoft.com/office/drawing/2014/main" id="{B3718846-F08B-00DF-068D-154D8B377D9A}"/>
+                <a16:creationId xmlns:a16="http://schemas.microsoft.com/office/drawing/2014/main" id="{9C346764-401B-5F17-A636-63CA8110CCBC}"/>
               </a:ext>
             </a:extLst>
           </p:cNvPr>
@@ -8752,16 +8193,14 @@
               <a:buChar char="•"/>
             </a:pPr>
             <a:r>
-              <a:rPr lang="en-US" dirty="0"/>
-              <a:t>Example plaintext message:</a:t>
-            </a:r>
-            <a:br>
-              <a:rPr lang="en-US" dirty="0"/>
-            </a:br>
-            <a:r>
-              <a:rPr lang="en-US" dirty="0"/>
-              <a:t>	“Project X status: Launch delayed until Q3.”</a:t>
-            </a:r>
+              <a:rPr lang="he-IL" dirty="0"/>
+              <a:t> </a:t>
+            </a:r>
+            <a:r>
+              <a:rPr lang="en-US" b="1" dirty="0"/>
+              <a:t>Message encrypted using Blowfish cipher</a:t>
+            </a:r>
+            <a:endParaRPr lang="en-US" dirty="0"/>
           </a:p>
           <a:p>
             <a:pPr>
@@ -8769,36 +8208,18 @@
               <a:buChar char="•"/>
             </a:pPr>
             <a:r>
-              <a:rPr lang="en-US" dirty="0"/>
-              <a:t>Message is unprotected in its current form</a:t>
-            </a:r>
-            <a:br>
-              <a:rPr lang="en-US" dirty="0"/>
-            </a:br>
-            <a:r>
-              <a:rPr lang="en-US" dirty="0"/>
-              <a:t>Needs:</a:t>
-            </a:r>
-          </a:p>
-          <a:p>
-            <a:pPr lvl="1">
-              <a:buFont typeface="Arial" panose="020B0604020202020204" pitchFamily="34" charset="0"/>
-              <a:buChar char="•"/>
-            </a:pPr>
-            <a:r>
-              <a:rPr lang="en-US" dirty="0"/>
-              <a:t> Encryption for confidentiality</a:t>
-            </a:r>
-          </a:p>
-          <a:p>
-            <a:pPr lvl="1">
-              <a:buFont typeface="Arial" panose="020B0604020202020204" pitchFamily="34" charset="0"/>
-              <a:buChar char="•"/>
-            </a:pPr>
-            <a:r>
-              <a:rPr lang="en-US" dirty="0"/>
-              <a:t> Digital signature for authenticity</a:t>
-            </a:r>
+              <a:rPr lang="he-IL" dirty="0"/>
+              <a:t> </a:t>
+            </a:r>
+            <a:r>
+              <a:rPr lang="en-US" dirty="0"/>
+              <a:t>Uses a </a:t>
+            </a:r>
+            <a:r>
+              <a:rPr lang="en-US" b="1" dirty="0"/>
+              <a:t>randomly generated symmetric key</a:t>
+            </a:r>
+            <a:endParaRPr lang="en-US" dirty="0"/>
           </a:p>
           <a:p>
             <a:pPr>
@@ -8806,16 +8227,63 @@
               <a:buChar char="•"/>
             </a:pPr>
             <a:r>
-              <a:rPr lang="en-US" dirty="0"/>
-              <a:t>Processed next using Blowfish, </a:t>
-            </a:r>
-            <a:r>
-              <a:rPr lang="en-US" dirty="0" err="1"/>
+              <a:rPr lang="he-IL" dirty="0"/>
+              <a:t> </a:t>
+            </a:r>
+            <a:r>
+              <a:rPr lang="en-US" b="1" dirty="0"/>
+              <a:t>Output is ciphertext</a:t>
+            </a:r>
+            <a:r>
+              <a:rPr lang="en-US" dirty="0"/>
+              <a:t>: unreadable without the correct key</a:t>
+            </a:r>
+          </a:p>
+          <a:p>
+            <a:pPr>
+              <a:buFont typeface="Arial" panose="020B0604020202020204" pitchFamily="34" charset="0"/>
+              <a:buChar char="•"/>
+            </a:pPr>
+            <a:r>
+              <a:rPr lang="he-IL" dirty="0"/>
+              <a:t> </a:t>
+            </a:r>
+            <a:r>
+              <a:rPr lang="en-US" dirty="0"/>
+              <a:t>Appears as random data (e.g., hexadecimal or base64)</a:t>
+            </a:r>
+          </a:p>
+          <a:p>
+            <a:pPr>
+              <a:buFont typeface="Arial" panose="020B0604020202020204" pitchFamily="34" charset="0"/>
+              <a:buChar char="•"/>
+            </a:pPr>
+            <a:r>
+              <a:rPr lang="he-IL" dirty="0"/>
+              <a:t> </a:t>
+            </a:r>
+            <a:r>
+              <a:rPr lang="en-US" dirty="0"/>
+              <a:t>Blowfish key will be securely sent using </a:t>
+            </a:r>
+            <a:r>
+              <a:rPr lang="en-US" b="1" dirty="0" err="1"/>
               <a:t>McEliece</a:t>
             </a:r>
-            <a:r>
-              <a:rPr lang="en-US" dirty="0"/>
-              <a:t>, and ECDSA</a:t>
+            <a:endParaRPr lang="en-US" dirty="0"/>
+          </a:p>
+          <a:p>
+            <a:pPr>
+              <a:buFont typeface="Arial" panose="020B0604020202020204" pitchFamily="34" charset="0"/>
+              <a:buChar char="•"/>
+            </a:pPr>
+            <a:r>
+              <a:rPr lang="he-IL" dirty="0"/>
+              <a:t> </a:t>
+            </a:r>
+            <a:r>
+              <a:rPr lang="en-US" dirty="0"/>
+              <a:t>Protects message confidentiality in transit</a:t>
             </a:r>
           </a:p>
           <a:p>
@@ -8826,7 +8294,7 @@
     </p:spTree>
     <p:extLst>
       <p:ext uri="{BB962C8B-B14F-4D97-AF65-F5344CB8AC3E}">
-        <p14:creationId xmlns:p14="http://schemas.microsoft.com/office/powerpoint/2010/main" val="324050415"/>
+        <p14:creationId xmlns:p14="http://schemas.microsoft.com/office/powerpoint/2010/main" val="3549070684"/>
       </p:ext>
     </p:extLst>
   </p:cSld>
@@ -8858,7 +8326,7 @@
           <p:cNvPr id="2" name="Title 1">
             <a:extLst>
               <a:ext uri="{FF2B5EF4-FFF2-40B4-BE49-F238E27FC236}">
-                <a16:creationId xmlns:a16="http://schemas.microsoft.com/office/drawing/2014/main" id="{064E537F-7CAC-9F01-3D6A-9B05421839AF}"/>
+                <a16:creationId xmlns:a16="http://schemas.microsoft.com/office/drawing/2014/main" id="{7C313ABA-0CD1-864A-C658-376BE54E099A}"/>
               </a:ext>
             </a:extLst>
           </p:cNvPr>
@@ -8876,7 +8344,7 @@
           <a:p>
             <a:r>
               <a:rPr lang="en-US" dirty="0"/>
-              <a:t>Encrypted Text</a:t>
+              <a:t>How to decipher with the key</a:t>
             </a:r>
           </a:p>
         </p:txBody>
@@ -8886,7 +8354,7 @@
           <p:cNvPr id="3" name="Content Placeholder 2">
             <a:extLst>
               <a:ext uri="{FF2B5EF4-FFF2-40B4-BE49-F238E27FC236}">
-                <a16:creationId xmlns:a16="http://schemas.microsoft.com/office/drawing/2014/main" id="{9C346764-401B-5F17-A636-63CA8110CCBC}"/>
+                <a16:creationId xmlns:a16="http://schemas.microsoft.com/office/drawing/2014/main" id="{4441DE8B-3BFF-25A7-C22F-17EA37DCE609}"/>
               </a:ext>
             </a:extLst>
           </p:cNvPr>
@@ -8899,7 +8367,9 @@
         </p:nvSpPr>
         <p:spPr/>
         <p:txBody>
-          <a:bodyPr/>
+          <a:bodyPr>
+            <a:normAutofit fontScale="92500" lnSpcReduction="10000"/>
+          </a:bodyPr>
           <a:lstStyle/>
           <a:p>
             <a:pPr>
@@ -8911,10 +8381,49 @@
               <a:t> </a:t>
             </a:r>
             <a:r>
-              <a:rPr lang="en-US" b="1" dirty="0"/>
-              <a:t>Message encrypted using Blowfish cipher</a:t>
-            </a:r>
-            <a:endParaRPr lang="en-US" dirty="0"/>
+              <a:rPr lang="en-US" dirty="0"/>
+              <a:t>Receiver (Bob) receives:</a:t>
+            </a:r>
+          </a:p>
+          <a:p>
+            <a:pPr marL="742950" lvl="1" indent="-285750">
+              <a:buFont typeface="Arial" panose="020B0604020202020204" pitchFamily="34" charset="0"/>
+              <a:buChar char="•"/>
+            </a:pPr>
+            <a:r>
+              <a:rPr lang="en-US" dirty="0"/>
+              <a:t>Encrypted message (ciphertext)</a:t>
+            </a:r>
+          </a:p>
+          <a:p>
+            <a:pPr marL="742950" lvl="1" indent="-285750">
+              <a:buFont typeface="Arial" panose="020B0604020202020204" pitchFamily="34" charset="0"/>
+              <a:buChar char="•"/>
+            </a:pPr>
+            <a:r>
+              <a:rPr lang="en-US" dirty="0"/>
+              <a:t>Encrypted Blowfish key</a:t>
+            </a:r>
+          </a:p>
+          <a:p>
+            <a:pPr marL="742950" lvl="1" indent="-285750">
+              <a:buFont typeface="Arial" panose="020B0604020202020204" pitchFamily="34" charset="0"/>
+              <a:buChar char="•"/>
+            </a:pPr>
+            <a:r>
+              <a:rPr lang="en-US" dirty="0"/>
+              <a:t>Digital signature</a:t>
+            </a:r>
+          </a:p>
+          <a:p>
+            <a:pPr marL="742950" lvl="1" indent="-285750">
+              <a:buFont typeface="Arial" panose="020B0604020202020204" pitchFamily="34" charset="0"/>
+              <a:buChar char="•"/>
+            </a:pPr>
+            <a:r>
+              <a:rPr lang="en-US" dirty="0"/>
+              <a:t>Sender’s public ECDSA key</a:t>
+            </a:r>
           </a:p>
           <a:p>
             <a:pPr>
@@ -8926,14 +8435,36 @@
               <a:t> </a:t>
             </a:r>
             <a:r>
-              <a:rPr lang="en-US" dirty="0"/>
-              <a:t>Uses a </a:t>
-            </a:r>
-            <a:r>
               <a:rPr lang="en-US" b="1" dirty="0"/>
-              <a:t>randomly generated symmetric key</a:t>
+              <a:t>Step 1: Decrypt Blowfish key</a:t>
             </a:r>
             <a:endParaRPr lang="en-US" dirty="0"/>
+          </a:p>
+          <a:p>
+            <a:pPr marL="742950" lvl="1" indent="-285750">
+              <a:buFont typeface="Arial" panose="020B0604020202020204" pitchFamily="34" charset="0"/>
+              <a:buChar char="•"/>
+            </a:pPr>
+            <a:r>
+              <a:rPr lang="en-US" dirty="0"/>
+              <a:t>Use </a:t>
+            </a:r>
+            <a:r>
+              <a:rPr lang="en-US" dirty="0" err="1"/>
+              <a:t>McEliece</a:t>
+            </a:r>
+            <a:r>
+              <a:rPr lang="en-US" dirty="0"/>
+              <a:t> </a:t>
+            </a:r>
+            <a:r>
+              <a:rPr lang="en-US" b="1" dirty="0"/>
+              <a:t>private key</a:t>
+            </a:r>
+            <a:r>
+              <a:rPr lang="en-US" dirty="0"/>
+              <a:t> to recover the symmetric Blowfish key</a:t>
+            </a:r>
           </a:p>
           <a:p>
             <a:pPr>
@@ -8946,11 +8477,18 @@
             </a:r>
             <a:r>
               <a:rPr lang="en-US" b="1" dirty="0"/>
-              <a:t>Output is ciphertext</a:t>
-            </a:r>
-            <a:r>
-              <a:rPr lang="en-US" dirty="0"/>
-              <a:t>: unreadable without the correct key</a:t>
+              <a:t>Step 2: Decrypt the message</a:t>
+            </a:r>
+            <a:endParaRPr lang="en-US" dirty="0"/>
+          </a:p>
+          <a:p>
+            <a:pPr marL="742950" lvl="1" indent="-285750">
+              <a:buFont typeface="Arial" panose="020B0604020202020204" pitchFamily="34" charset="0"/>
+              <a:buChar char="•"/>
+            </a:pPr>
+            <a:r>
+              <a:rPr lang="en-US" dirty="0"/>
+              <a:t>Use the recovered Blowfish key to decrypt the message</a:t>
             </a:r>
           </a:p>
           <a:p>
@@ -8963,8 +8501,19 @@
               <a:t> </a:t>
             </a:r>
             <a:r>
-              <a:rPr lang="en-US" dirty="0"/>
-              <a:t>Appears as random data (e.g., hexadecimal or base64)</a:t>
+              <a:rPr lang="en-US" b="1" dirty="0"/>
+              <a:t>Step 3: Verify the signature</a:t>
+            </a:r>
+            <a:endParaRPr lang="en-US" dirty="0"/>
+          </a:p>
+          <a:p>
+            <a:pPr marL="742950" lvl="1" indent="-285750">
+              <a:buFont typeface="Arial" panose="020B0604020202020204" pitchFamily="34" charset="0"/>
+              <a:buChar char="•"/>
+            </a:pPr>
+            <a:r>
+              <a:rPr lang="en-US" dirty="0"/>
+              <a:t>Use sender’s public ECDSA key to confirm message authenticity</a:t>
             </a:r>
           </a:p>
           <a:p>
@@ -8978,26 +8527,7 @@
             </a:r>
             <a:r>
               <a:rPr lang="en-US" dirty="0"/>
-              <a:t>Blowfish key will be securely sent using </a:t>
-            </a:r>
-            <a:r>
-              <a:rPr lang="en-US" b="1" dirty="0" err="1"/>
-              <a:t>McEliece</a:t>
-            </a:r>
-            <a:endParaRPr lang="en-US" dirty="0"/>
-          </a:p>
-          <a:p>
-            <a:pPr>
-              <a:buFont typeface="Arial" panose="020B0604020202020204" pitchFamily="34" charset="0"/>
-              <a:buChar char="•"/>
-            </a:pPr>
-            <a:r>
-              <a:rPr lang="he-IL" dirty="0"/>
-              <a:t> </a:t>
-            </a:r>
-            <a:r>
-              <a:rPr lang="en-US" dirty="0"/>
-              <a:t>Protects message confidentiality in transit</a:t>
+              <a:t>Message is only accepted if signature is valid</a:t>
             </a:r>
           </a:p>
           <a:p>
@@ -9008,7 +8538,7 @@
     </p:spTree>
     <p:extLst>
       <p:ext uri="{BB962C8B-B14F-4D97-AF65-F5344CB8AC3E}">
-        <p14:creationId xmlns:p14="http://schemas.microsoft.com/office/powerpoint/2010/main" val="3549070684"/>
+        <p14:creationId xmlns:p14="http://schemas.microsoft.com/office/powerpoint/2010/main" val="351153011"/>
       </p:ext>
     </p:extLst>
   </p:cSld>
@@ -9617,23 +9147,6 @@
 </file>
 
 <file path=customXml/item1.xml><?xml version="1.0" encoding="utf-8"?>
-<p:properties xmlns:p="http://schemas.microsoft.com/office/2006/metadata/properties" xmlns:xsi="http://www.w3.org/2001/XMLSchema-instance" xmlns:pc="http://schemas.microsoft.com/office/infopath/2007/PartnerControls">
-  <documentManagement>
-    <_activity xmlns="7480d4d1-d0c4-4454-afbf-f8adc94c61a9" xsi:nil="true"/>
-  </documentManagement>
-</p:properties>
-</file>
-
-<file path=customXml/item2.xml><?xml version="1.0" encoding="utf-8"?>
-<?mso-contentType ?>
-<FormTemplates xmlns="http://schemas.microsoft.com/sharepoint/v3/contenttype/forms">
-  <Display>DocumentLibraryForm</Display>
-  <Edit>DocumentLibraryForm</Edit>
-  <New>DocumentLibraryForm</New>
-</FormTemplates>
-</file>
-
-<file path=customXml/item3.xml><?xml version="1.0" encoding="utf-8"?>
 <ct:contentTypeSchema xmlns:ct="http://schemas.microsoft.com/office/2006/metadata/contentType" xmlns:ma="http://schemas.microsoft.com/office/2006/metadata/properties/metaAttributes" ct:_="" ma:_="" ma:contentTypeName="Document" ma:contentTypeID="0x0101001E533B1092E7D145A9BA91CDD86ED454" ma:contentTypeVersion="15" ma:contentTypeDescription="Create a new document." ma:contentTypeScope="" ma:versionID="a69725e3e5755fe7ea146dd1394aca70">
   <xsd:schema xmlns:xsd="http://www.w3.org/2001/XMLSchema" xmlns:xs="http://www.w3.org/2001/XMLSchema" xmlns:p="http://schemas.microsoft.com/office/2006/metadata/properties" xmlns:ns3="7480d4d1-d0c4-4454-afbf-f8adc94c61a9" xmlns:ns4="5ee8e921-8df8-4dab-b498-9cbdafab85af" targetNamespace="http://schemas.microsoft.com/office/2006/metadata/properties" ma:root="true" ma:fieldsID="5848f545f59b5a6de7572048428bffca" ns3:_="" ns4:_="">
     <xsd:import namespace="7480d4d1-d0c4-4454-afbf-f8adc94c61a9"/>
@@ -9866,32 +9379,24 @@
 </ct:contentTypeSchema>
 </file>
 
-<file path=customXml/itemProps1.xml><?xml version="1.0" encoding="utf-8"?>
-<ds:datastoreItem xmlns:ds="http://schemas.openxmlformats.org/officeDocument/2006/customXml" ds:itemID="{F4408F56-9A13-4A87-A165-FA692790BA4D}">
-  <ds:schemaRefs>
-    <ds:schemaRef ds:uri="http://schemas.microsoft.com/office/2006/documentManagement/types"/>
-    <ds:schemaRef ds:uri="http://schemas.microsoft.com/office/infopath/2007/PartnerControls"/>
-    <ds:schemaRef ds:uri="7480d4d1-d0c4-4454-afbf-f8adc94c61a9"/>
-    <ds:schemaRef ds:uri="http://schemas.microsoft.com/office/2006/metadata/properties"/>
-    <ds:schemaRef ds:uri="http://purl.org/dc/terms/"/>
-    <ds:schemaRef ds:uri="http://purl.org/dc/dcmitype/"/>
-    <ds:schemaRef ds:uri="http://purl.org/dc/elements/1.1/"/>
-    <ds:schemaRef ds:uri="http://schemas.openxmlformats.org/package/2006/metadata/core-properties"/>
-    <ds:schemaRef ds:uri="http://www.w3.org/XML/1998/namespace"/>
-    <ds:schemaRef ds:uri="5ee8e921-8df8-4dab-b498-9cbdafab85af"/>
-  </ds:schemaRefs>
-</ds:datastoreItem>
+<file path=customXml/item2.xml><?xml version="1.0" encoding="utf-8"?>
+<?mso-contentType ?>
+<FormTemplates xmlns="http://schemas.microsoft.com/sharepoint/v3/contenttype/forms">
+  <Display>DocumentLibraryForm</Display>
+  <Edit>DocumentLibraryForm</Edit>
+  <New>DocumentLibraryForm</New>
+</FormTemplates>
 </file>
 
-<file path=customXml/itemProps2.xml><?xml version="1.0" encoding="utf-8"?>
-<ds:datastoreItem xmlns:ds="http://schemas.openxmlformats.org/officeDocument/2006/customXml" ds:itemID="{499C5EEE-F1A0-4304-BAD3-4B1A75818CCE}">
-  <ds:schemaRefs>
-    <ds:schemaRef ds:uri="http://schemas.microsoft.com/sharepoint/v3/contenttype/forms"/>
-  </ds:schemaRefs>
-</ds:datastoreItem>
+<file path=customXml/item3.xml><?xml version="1.0" encoding="utf-8"?>
+<p:properties xmlns:p="http://schemas.microsoft.com/office/2006/metadata/properties" xmlns:xsi="http://www.w3.org/2001/XMLSchema-instance" xmlns:pc="http://schemas.microsoft.com/office/infopath/2007/PartnerControls">
+  <documentManagement>
+    <_activity xmlns="7480d4d1-d0c4-4454-afbf-f8adc94c61a9" xsi:nil="true"/>
+  </documentManagement>
+</p:properties>
 </file>
 
-<file path=customXml/itemProps3.xml><?xml version="1.0" encoding="utf-8"?>
+<file path=customXml/itemProps1.xml><?xml version="1.0" encoding="utf-8"?>
 <ds:datastoreItem xmlns:ds="http://schemas.openxmlformats.org/officeDocument/2006/customXml" ds:itemID="{28FE47B3-7630-4512-B3F8-B1A8CE5E500C}">
   <ds:schemaRefs>
     <ds:schemaRef ds:uri="http://schemas.microsoft.com/office/2006/metadata/contentType"/>
@@ -9908,4 +9413,29 @@
     <ds:schemaRef ds:uri="http://schemas.microsoft.com/internal/obd"/>
   </ds:schemaRefs>
 </ds:datastoreItem>
+</file>
+
+<file path=customXml/itemProps2.xml><?xml version="1.0" encoding="utf-8"?>
+<ds:datastoreItem xmlns:ds="http://schemas.openxmlformats.org/officeDocument/2006/customXml" ds:itemID="{499C5EEE-F1A0-4304-BAD3-4B1A75818CCE}">
+  <ds:schemaRefs>
+    <ds:schemaRef ds:uri="http://schemas.microsoft.com/sharepoint/v3/contenttype/forms"/>
+  </ds:schemaRefs>
+</ds:datastoreItem>
+</file>
+
+<file path=customXml/itemProps3.xml><?xml version="1.0" encoding="utf-8"?>
+<ds:datastoreItem xmlns:ds="http://schemas.openxmlformats.org/officeDocument/2006/customXml" ds:itemID="{F4408F56-9A13-4A87-A165-FA692790BA4D}">
+  <ds:schemaRefs>
+    <ds:schemaRef ds:uri="http://schemas.microsoft.com/office/2006/documentManagement/types"/>
+    <ds:schemaRef ds:uri="http://schemas.microsoft.com/office/infopath/2007/PartnerControls"/>
+    <ds:schemaRef ds:uri="7480d4d1-d0c4-4454-afbf-f8adc94c61a9"/>
+    <ds:schemaRef ds:uri="http://schemas.microsoft.com/office/2006/metadata/properties"/>
+    <ds:schemaRef ds:uri="http://purl.org/dc/terms/"/>
+    <ds:schemaRef ds:uri="http://purl.org/dc/dcmitype/"/>
+    <ds:schemaRef ds:uri="http://purl.org/dc/elements/1.1/"/>
+    <ds:schemaRef ds:uri="http://schemas.openxmlformats.org/package/2006/metadata/core-properties"/>
+    <ds:schemaRef ds:uri="http://www.w3.org/XML/1998/namespace"/>
+    <ds:schemaRef ds:uri="5ee8e921-8df8-4dab-b498-9cbdafab85af"/>
+  </ds:schemaRefs>
+</ds:datastoreItem>
 </file>